--- a/임시제목.pptx
+++ b/임시제목.pptx
@@ -5,7 +5,7 @@
     <p:sldMasterId id="2147483648" r:id="rId1"/>
   </p:sldMasterIdLst>
   <p:notesMasterIdLst>
-    <p:notesMasterId r:id="rId14"/>
+    <p:notesMasterId r:id="rId15"/>
   </p:notesMasterIdLst>
   <p:sldIdLst>
     <p:sldId id="257" r:id="rId2"/>
@@ -16,10 +16,11 @@
     <p:sldId id="262" r:id="rId7"/>
     <p:sldId id="264" r:id="rId8"/>
     <p:sldId id="269" r:id="rId9"/>
-    <p:sldId id="265" r:id="rId10"/>
-    <p:sldId id="266" r:id="rId11"/>
-    <p:sldId id="270" r:id="rId12"/>
-    <p:sldId id="271" r:id="rId13"/>
+    <p:sldId id="272" r:id="rId10"/>
+    <p:sldId id="265" r:id="rId11"/>
+    <p:sldId id="266" r:id="rId12"/>
+    <p:sldId id="270" r:id="rId13"/>
+    <p:sldId id="271" r:id="rId14"/>
   </p:sldIdLst>
   <p:sldSz cx="12192000" cy="6858000"/>
   <p:notesSz cx="6858000" cy="9144000"/>
@@ -208,7 +209,7 @@
           <a:p>
             <a:fld id="{663FC9B1-B350-C74D-B506-7DFC3E140569}" type="datetimeFigureOut">
               <a:rPr kumimoji="1" lang="ko-Kore-KR" altLang="en-US" smtClean="0"/>
-              <a:t>08/24/2021</a:t>
+              <a:t>2021. 8. 25.</a:t>
             </a:fld>
             <a:endParaRPr kumimoji="1" lang="ko-Kore-KR" altLang="en-US"/>
           </a:p>
@@ -709,7 +710,7 @@
           <a:p>
             <a:fld id="{5F7872A9-1AF3-EB47-BBD6-E266BEC60B85}" type="datetimeFigureOut">
               <a:rPr kumimoji="1" lang="ko-Kore-KR" altLang="en-US" smtClean="0"/>
-              <a:t>08/24/2021</a:t>
+              <a:t>2021. 8. 25.</a:t>
             </a:fld>
             <a:endParaRPr kumimoji="1" lang="ko-Kore-KR" altLang="en-US"/>
           </a:p>
@@ -909,7 +910,7 @@
           <a:p>
             <a:fld id="{5F7872A9-1AF3-EB47-BBD6-E266BEC60B85}" type="datetimeFigureOut">
               <a:rPr kumimoji="1" lang="ko-Kore-KR" altLang="en-US" smtClean="0"/>
-              <a:t>08/24/2021</a:t>
+              <a:t>2021. 8. 25.</a:t>
             </a:fld>
             <a:endParaRPr kumimoji="1" lang="ko-Kore-KR" altLang="en-US"/>
           </a:p>
@@ -1119,7 +1120,7 @@
           <a:p>
             <a:fld id="{5F7872A9-1AF3-EB47-BBD6-E266BEC60B85}" type="datetimeFigureOut">
               <a:rPr kumimoji="1" lang="ko-Kore-KR" altLang="en-US" smtClean="0"/>
-              <a:t>08/24/2021</a:t>
+              <a:t>2021. 8. 25.</a:t>
             </a:fld>
             <a:endParaRPr kumimoji="1" lang="ko-Kore-KR" altLang="en-US"/>
           </a:p>
@@ -1319,7 +1320,7 @@
           <a:p>
             <a:fld id="{5F7872A9-1AF3-EB47-BBD6-E266BEC60B85}" type="datetimeFigureOut">
               <a:rPr kumimoji="1" lang="ko-Kore-KR" altLang="en-US" smtClean="0"/>
-              <a:t>08/24/2021</a:t>
+              <a:t>2021. 8. 25.</a:t>
             </a:fld>
             <a:endParaRPr kumimoji="1" lang="ko-Kore-KR" altLang="en-US"/>
           </a:p>
@@ -1595,7 +1596,7 @@
           <a:p>
             <a:fld id="{5F7872A9-1AF3-EB47-BBD6-E266BEC60B85}" type="datetimeFigureOut">
               <a:rPr kumimoji="1" lang="ko-Kore-KR" altLang="en-US" smtClean="0"/>
-              <a:t>08/24/2021</a:t>
+              <a:t>2021. 8. 25.</a:t>
             </a:fld>
             <a:endParaRPr kumimoji="1" lang="ko-Kore-KR" altLang="en-US"/>
           </a:p>
@@ -1863,7 +1864,7 @@
           <a:p>
             <a:fld id="{5F7872A9-1AF3-EB47-BBD6-E266BEC60B85}" type="datetimeFigureOut">
               <a:rPr kumimoji="1" lang="ko-Kore-KR" altLang="en-US" smtClean="0"/>
-              <a:t>08/24/2021</a:t>
+              <a:t>2021. 8. 25.</a:t>
             </a:fld>
             <a:endParaRPr kumimoji="1" lang="ko-Kore-KR" altLang="en-US"/>
           </a:p>
@@ -2278,7 +2279,7 @@
           <a:p>
             <a:fld id="{5F7872A9-1AF3-EB47-BBD6-E266BEC60B85}" type="datetimeFigureOut">
               <a:rPr kumimoji="1" lang="ko-Kore-KR" altLang="en-US" smtClean="0"/>
-              <a:t>08/24/2021</a:t>
+              <a:t>2021. 8. 25.</a:t>
             </a:fld>
             <a:endParaRPr kumimoji="1" lang="ko-Kore-KR" altLang="en-US"/>
           </a:p>
@@ -2420,7 +2421,7 @@
           <a:p>
             <a:fld id="{5F7872A9-1AF3-EB47-BBD6-E266BEC60B85}" type="datetimeFigureOut">
               <a:rPr kumimoji="1" lang="ko-Kore-KR" altLang="en-US" smtClean="0"/>
-              <a:t>08/24/2021</a:t>
+              <a:t>2021. 8. 25.</a:t>
             </a:fld>
             <a:endParaRPr kumimoji="1" lang="ko-Kore-KR" altLang="en-US"/>
           </a:p>
@@ -2533,7 +2534,7 @@
           <a:p>
             <a:fld id="{5F7872A9-1AF3-EB47-BBD6-E266BEC60B85}" type="datetimeFigureOut">
               <a:rPr kumimoji="1" lang="ko-Kore-KR" altLang="en-US" smtClean="0"/>
-              <a:t>08/24/2021</a:t>
+              <a:t>2021. 8. 25.</a:t>
             </a:fld>
             <a:endParaRPr kumimoji="1" lang="ko-Kore-KR" altLang="en-US"/>
           </a:p>
@@ -2846,7 +2847,7 @@
           <a:p>
             <a:fld id="{5F7872A9-1AF3-EB47-BBD6-E266BEC60B85}" type="datetimeFigureOut">
               <a:rPr kumimoji="1" lang="ko-Kore-KR" altLang="en-US" smtClean="0"/>
-              <a:t>08/24/2021</a:t>
+              <a:t>2021. 8. 25.</a:t>
             </a:fld>
             <a:endParaRPr kumimoji="1" lang="ko-Kore-KR" altLang="en-US"/>
           </a:p>
@@ -3135,7 +3136,7 @@
           <a:p>
             <a:fld id="{5F7872A9-1AF3-EB47-BBD6-E266BEC60B85}" type="datetimeFigureOut">
               <a:rPr kumimoji="1" lang="ko-Kore-KR" altLang="en-US" smtClean="0"/>
-              <a:t>08/24/2021</a:t>
+              <a:t>2021. 8. 25.</a:t>
             </a:fld>
             <a:endParaRPr kumimoji="1" lang="ko-Kore-KR" altLang="en-US"/>
           </a:p>
@@ -3378,7 +3379,7 @@
           <a:p>
             <a:fld id="{5F7872A9-1AF3-EB47-BBD6-E266BEC60B85}" type="datetimeFigureOut">
               <a:rPr kumimoji="1" lang="ko-Kore-KR" altLang="en-US" smtClean="0"/>
-              <a:t>08/24/2021</a:t>
+              <a:t>2021. 8. 25.</a:t>
             </a:fld>
             <a:endParaRPr kumimoji="1" lang="ko-Kore-KR" altLang="en-US"/>
           </a:p>
@@ -3813,8 +3814,8 @@
         </p:nvSpPr>
         <p:spPr>
           <a:xfrm>
-            <a:off x="366320" y="1084689"/>
-            <a:ext cx="8914314" cy="2344311"/>
+            <a:off x="366319" y="1084689"/>
+            <a:ext cx="9713101" cy="2344311"/>
           </a:xfrm>
         </p:spPr>
         <p:txBody>
@@ -3834,7 +3835,53 @@
                 <a:latin typeface="Times New Roman" panose="02020603050405020304" pitchFamily="18" charset="0"/>
                 <a:cs typeface="Times New Roman" panose="02020603050405020304" pitchFamily="18" charset="0"/>
               </a:rPr>
-              <a:t>Manufacturing Scheduling problem with Reinforcement Learning</a:t>
+              <a:t>Manufacturing Scheduling problem</a:t>
+            </a:r>
+            <a:br>
+              <a:rPr lang="en-US" altLang="ko-KR" sz="4800" b="1" dirty="0">
+                <a:solidFill>
+                  <a:schemeClr val="accent6">
+                    <a:lumMod val="75000"/>
+                  </a:schemeClr>
+                </a:solidFill>
+                <a:latin typeface="Times New Roman" panose="02020603050405020304" pitchFamily="18" charset="0"/>
+                <a:cs typeface="Times New Roman" panose="02020603050405020304" pitchFamily="18" charset="0"/>
+              </a:rPr>
+            </a:br>
+            <a:r>
+              <a:rPr lang="en-US" altLang="ko-KR" sz="4800" b="1" dirty="0">
+                <a:solidFill>
+                  <a:schemeClr val="accent6">
+                    <a:lumMod val="75000"/>
+                  </a:schemeClr>
+                </a:solidFill>
+                <a:latin typeface="Times New Roman" panose="02020603050405020304" pitchFamily="18" charset="0"/>
+                <a:cs typeface="Times New Roman" panose="02020603050405020304" pitchFamily="18" charset="0"/>
+              </a:rPr>
+              <a:t>with</a:t>
+            </a:r>
+            <a:br>
+              <a:rPr lang="en-US" altLang="ko-KR" sz="4800" b="1" dirty="0">
+                <a:solidFill>
+                  <a:schemeClr val="accent6">
+                    <a:lumMod val="75000"/>
+                  </a:schemeClr>
+                </a:solidFill>
+                <a:latin typeface="Times New Roman" panose="02020603050405020304" pitchFamily="18" charset="0"/>
+                <a:cs typeface="Times New Roman" panose="02020603050405020304" pitchFamily="18" charset="0"/>
+              </a:rPr>
+            </a:br>
+            <a:r>
+              <a:rPr lang="en-US" altLang="ko-KR" sz="4800" b="1" dirty="0">
+                <a:solidFill>
+                  <a:schemeClr val="accent6">
+                    <a:lumMod val="75000"/>
+                  </a:schemeClr>
+                </a:solidFill>
+                <a:latin typeface="Times New Roman" panose="02020603050405020304" pitchFamily="18" charset="0"/>
+                <a:cs typeface="Times New Roman" panose="02020603050405020304" pitchFamily="18" charset="0"/>
+              </a:rPr>
+              <a:t>Reinforcement Learning</a:t>
             </a:r>
             <a:endParaRPr lang="ko-KR" altLang="en-US" sz="4800" b="1" dirty="0">
               <a:solidFill>
@@ -4505,6 +4552,323 @@
         <p:spPr>
           <a:xfrm>
             <a:off x="420413" y="199695"/>
+            <a:ext cx="11183007" cy="553998"/>
+          </a:xfrm>
+          <a:prstGeom prst="rect">
+            <a:avLst/>
+          </a:prstGeom>
+          <a:noFill/>
+        </p:spPr>
+        <p:txBody>
+          <a:bodyPr wrap="square" rtlCol="0">
+            <a:spAutoFit/>
+          </a:bodyPr>
+          <a:lstStyle/>
+          <a:p>
+            <a:r>
+              <a:rPr kumimoji="1" lang="en-US" altLang="ko-KR" sz="3000" b="1" dirty="0">
+                <a:latin typeface="Times New Roman" panose="02020603050405020304" pitchFamily="18" charset="0"/>
+                <a:cs typeface="Times New Roman" panose="02020603050405020304" pitchFamily="18" charset="0"/>
+              </a:rPr>
+              <a:t>Computation number of cases</a:t>
+            </a:r>
+            <a:r>
+              <a:rPr kumimoji="1" lang="ko-KR" altLang="en-US" sz="3000" b="1" dirty="0">
+                <a:latin typeface="Times New Roman" panose="02020603050405020304" pitchFamily="18" charset="0"/>
+                <a:cs typeface="Times New Roman" panose="02020603050405020304" pitchFamily="18" charset="0"/>
+              </a:rPr>
+              <a:t> </a:t>
+            </a:r>
+            <a:r>
+              <a:rPr kumimoji="1" lang="en-US" altLang="ko-KR" sz="3000" b="1" dirty="0">
+                <a:latin typeface="Times New Roman" panose="02020603050405020304" pitchFamily="18" charset="0"/>
+                <a:cs typeface="Times New Roman" panose="02020603050405020304" pitchFamily="18" charset="0"/>
+              </a:rPr>
+              <a:t>about example</a:t>
+            </a:r>
+            <a:endParaRPr kumimoji="1" lang="ko-Kore-KR" altLang="en-US" sz="3000" b="1" dirty="0">
+              <a:latin typeface="Times New Roman" panose="02020603050405020304" pitchFamily="18" charset="0"/>
+              <a:cs typeface="Times New Roman" panose="02020603050405020304" pitchFamily="18" charset="0"/>
+            </a:endParaRPr>
+          </a:p>
+        </p:txBody>
+      </p:sp>
+      <p:pic>
+        <p:nvPicPr>
+          <p:cNvPr id="3" name="그림 2" descr="테이블이(가) 표시된 사진&#10;&#10;자동 생성된 설명">
+            <a:extLst>
+              <a:ext uri="{FF2B5EF4-FFF2-40B4-BE49-F238E27FC236}">
+                <a16:creationId xmlns:a16="http://schemas.microsoft.com/office/drawing/2014/main" id="{13DDF882-DFE3-F247-83D6-8ED2DEFBA935}"/>
+              </a:ext>
+            </a:extLst>
+          </p:cNvPr>
+          <p:cNvPicPr>
+            <a:picLocks noChangeAspect="1"/>
+          </p:cNvPicPr>
+          <p:nvPr/>
+        </p:nvPicPr>
+        <p:blipFill>
+          <a:blip r:embed="rId2"/>
+          <a:stretch>
+            <a:fillRect/>
+          </a:stretch>
+        </p:blipFill>
+        <p:spPr>
+          <a:xfrm>
+            <a:off x="420413" y="1998936"/>
+            <a:ext cx="4102100" cy="800100"/>
+          </a:xfrm>
+          <a:prstGeom prst="rect">
+            <a:avLst/>
+          </a:prstGeom>
+        </p:spPr>
+      </p:pic>
+      <p:pic>
+        <p:nvPicPr>
+          <p:cNvPr id="8" name="그림 7" descr="텍스트이(가) 표시된 사진&#10;&#10;자동 생성된 설명">
+            <a:extLst>
+              <a:ext uri="{FF2B5EF4-FFF2-40B4-BE49-F238E27FC236}">
+                <a16:creationId xmlns:a16="http://schemas.microsoft.com/office/drawing/2014/main" id="{EF0F02BC-978E-EE4C-8D28-DFB827C8682C}"/>
+              </a:ext>
+            </a:extLst>
+          </p:cNvPr>
+          <p:cNvPicPr>
+            <a:picLocks noChangeAspect="1"/>
+          </p:cNvPicPr>
+          <p:nvPr/>
+        </p:nvPicPr>
+        <p:blipFill rotWithShape="1">
+          <a:blip r:embed="rId3"/>
+          <a:srcRect l="40494" t="27938"/>
+          <a:stretch/>
+        </p:blipFill>
+        <p:spPr>
+          <a:xfrm>
+            <a:off x="420413" y="3032455"/>
+            <a:ext cx="5297651" cy="1793765"/>
+          </a:xfrm>
+          <a:prstGeom prst="rect">
+            <a:avLst/>
+          </a:prstGeom>
+        </p:spPr>
+      </p:pic>
+      <p:pic>
+        <p:nvPicPr>
+          <p:cNvPr id="13" name="그림 12" descr="테이블이(가) 표시된 사진&#10;&#10;자동 생성된 설명">
+            <a:extLst>
+              <a:ext uri="{FF2B5EF4-FFF2-40B4-BE49-F238E27FC236}">
+                <a16:creationId xmlns:a16="http://schemas.microsoft.com/office/drawing/2014/main" id="{F98B8B81-329B-8946-924B-C4B813BAB5EC}"/>
+              </a:ext>
+            </a:extLst>
+          </p:cNvPr>
+          <p:cNvPicPr>
+            <a:picLocks noChangeAspect="1"/>
+          </p:cNvPicPr>
+          <p:nvPr/>
+        </p:nvPicPr>
+        <p:blipFill>
+          <a:blip r:embed="rId4"/>
+          <a:stretch>
+            <a:fillRect/>
+          </a:stretch>
+        </p:blipFill>
+        <p:spPr>
+          <a:xfrm>
+            <a:off x="6169572" y="1998936"/>
+            <a:ext cx="4267200" cy="901700"/>
+          </a:xfrm>
+          <a:prstGeom prst="rect">
+            <a:avLst/>
+          </a:prstGeom>
+        </p:spPr>
+      </p:pic>
+      <p:pic>
+        <p:nvPicPr>
+          <p:cNvPr id="14" name="그림 13">
+            <a:extLst>
+              <a:ext uri="{FF2B5EF4-FFF2-40B4-BE49-F238E27FC236}">
+                <a16:creationId xmlns:a16="http://schemas.microsoft.com/office/drawing/2014/main" id="{C9A552CA-8C46-C840-95EB-18F108B57947}"/>
+              </a:ext>
+            </a:extLst>
+          </p:cNvPr>
+          <p:cNvPicPr>
+            <a:picLocks noChangeAspect="1"/>
+          </p:cNvPicPr>
+          <p:nvPr/>
+        </p:nvPicPr>
+        <p:blipFill rotWithShape="1">
+          <a:blip r:embed="rId5"/>
+          <a:srcRect l="61525" t="30248"/>
+          <a:stretch/>
+        </p:blipFill>
+        <p:spPr>
+          <a:xfrm>
+            <a:off x="6817711" y="3032455"/>
+            <a:ext cx="2970923" cy="1417364"/>
+          </a:xfrm>
+          <a:prstGeom prst="rect">
+            <a:avLst/>
+          </a:prstGeom>
+        </p:spPr>
+      </p:pic>
+      <p:sp>
+        <p:nvSpPr>
+          <p:cNvPr id="15" name="직사각형 14">
+            <a:extLst>
+              <a:ext uri="{FF2B5EF4-FFF2-40B4-BE49-F238E27FC236}">
+                <a16:creationId xmlns:a16="http://schemas.microsoft.com/office/drawing/2014/main" id="{48A60709-0B12-A042-B313-A9E7F085477C}"/>
+              </a:ext>
+            </a:extLst>
+          </p:cNvPr>
+          <p:cNvSpPr/>
+          <p:nvPr/>
+        </p:nvSpPr>
+        <p:spPr>
+          <a:xfrm>
+            <a:off x="1452916" y="1328229"/>
+            <a:ext cx="2129750" cy="369332"/>
+          </a:xfrm>
+          <a:prstGeom prst="rect">
+            <a:avLst/>
+          </a:prstGeom>
+        </p:spPr>
+        <p:txBody>
+          <a:bodyPr wrap="none">
+            <a:spAutoFit/>
+          </a:bodyPr>
+          <a:lstStyle/>
+          <a:p>
+            <a:r>
+              <a:rPr kumimoji="1" lang="en-US" altLang="ko-KR" b="1" dirty="0">
+                <a:latin typeface="Times New Roman" panose="02020603050405020304" pitchFamily="18" charset="0"/>
+                <a:cs typeface="Times New Roman" panose="02020603050405020304" pitchFamily="18" charset="0"/>
+              </a:rPr>
+              <a:t>Case 1: For a week</a:t>
+            </a:r>
+            <a:endParaRPr lang="ko-Kore-KR" altLang="en-US" dirty="0"/>
+          </a:p>
+        </p:txBody>
+      </p:sp>
+      <p:sp>
+        <p:nvSpPr>
+          <p:cNvPr id="16" name="직사각형 15">
+            <a:extLst>
+              <a:ext uri="{FF2B5EF4-FFF2-40B4-BE49-F238E27FC236}">
+                <a16:creationId xmlns:a16="http://schemas.microsoft.com/office/drawing/2014/main" id="{8F41FBF2-B3CA-A24F-82F9-F07504FFAFBF}"/>
+              </a:ext>
+            </a:extLst>
+          </p:cNvPr>
+          <p:cNvSpPr/>
+          <p:nvPr/>
+        </p:nvSpPr>
+        <p:spPr>
+          <a:xfrm>
+            <a:off x="7238297" y="1328229"/>
+            <a:ext cx="2193870" cy="369332"/>
+          </a:xfrm>
+          <a:prstGeom prst="rect">
+            <a:avLst/>
+          </a:prstGeom>
+        </p:spPr>
+        <p:txBody>
+          <a:bodyPr wrap="none">
+            <a:spAutoFit/>
+          </a:bodyPr>
+          <a:lstStyle/>
+          <a:p>
+            <a:r>
+              <a:rPr kumimoji="1" lang="en-US" altLang="ko-KR" b="1" dirty="0">
+                <a:latin typeface="Times New Roman" panose="02020603050405020304" pitchFamily="18" charset="0"/>
+                <a:cs typeface="Times New Roman" panose="02020603050405020304" pitchFamily="18" charset="0"/>
+              </a:rPr>
+              <a:t>Case 2: For a month</a:t>
+            </a:r>
+            <a:endParaRPr lang="ko-Kore-KR" altLang="en-US" dirty="0"/>
+          </a:p>
+        </p:txBody>
+      </p:sp>
+    </p:spTree>
+    <p:extLst>
+      <p:ext uri="{BB962C8B-B14F-4D97-AF65-F5344CB8AC3E}">
+        <p14:creationId xmlns:p14="http://schemas.microsoft.com/office/powerpoint/2010/main" val="2653264041"/>
+      </p:ext>
+    </p:extLst>
+  </p:cSld>
+  <p:clrMapOvr>
+    <a:masterClrMapping/>
+  </p:clrMapOvr>
+</p:sld>
+</file>
+
+<file path=ppt/slides/slide11.xml><?xml version="1.0" encoding="utf-8"?>
+<p:sld xmlns:a="http://schemas.openxmlformats.org/drawingml/2006/main" xmlns:r="http://schemas.openxmlformats.org/officeDocument/2006/relationships" xmlns:p="http://schemas.openxmlformats.org/presentationml/2006/main">
+  <p:cSld>
+    <p:spTree>
+      <p:nvGrpSpPr>
+        <p:cNvPr id="1" name=""/>
+        <p:cNvGrpSpPr/>
+        <p:nvPr/>
+      </p:nvGrpSpPr>
+      <p:grpSpPr>
+        <a:xfrm>
+          <a:off x="0" y="0"/>
+          <a:ext cx="0" cy="0"/>
+          <a:chOff x="0" y="0"/>
+          <a:chExt cx="0" cy="0"/>
+        </a:xfrm>
+      </p:grpSpPr>
+      <p:cxnSp>
+        <p:nvCxnSpPr>
+          <p:cNvPr id="4" name="직선 연결선[R] 3">
+            <a:extLst>
+              <a:ext uri="{FF2B5EF4-FFF2-40B4-BE49-F238E27FC236}">
+                <a16:creationId xmlns:a16="http://schemas.microsoft.com/office/drawing/2014/main" id="{9B90C037-4D0F-4A4A-9E8B-78135C8A2C63}"/>
+              </a:ext>
+            </a:extLst>
+          </p:cNvPr>
+          <p:cNvCxnSpPr/>
+          <p:nvPr/>
+        </p:nvCxnSpPr>
+        <p:spPr>
+          <a:xfrm>
+            <a:off x="420414" y="830317"/>
+            <a:ext cx="11183007" cy="0"/>
+          </a:xfrm>
+          <a:prstGeom prst="line">
+            <a:avLst/>
+          </a:prstGeom>
+          <a:ln w="28575"/>
+        </p:spPr>
+        <p:style>
+          <a:lnRef idx="1">
+            <a:schemeClr val="accent1"/>
+          </a:lnRef>
+          <a:fillRef idx="0">
+            <a:schemeClr val="accent1"/>
+          </a:fillRef>
+          <a:effectRef idx="0">
+            <a:schemeClr val="accent1"/>
+          </a:effectRef>
+          <a:fontRef idx="minor">
+            <a:schemeClr val="tx1"/>
+          </a:fontRef>
+        </p:style>
+      </p:cxnSp>
+      <p:sp>
+        <p:nvSpPr>
+          <p:cNvPr id="5" name="TextBox 4">
+            <a:extLst>
+              <a:ext uri="{FF2B5EF4-FFF2-40B4-BE49-F238E27FC236}">
+                <a16:creationId xmlns:a16="http://schemas.microsoft.com/office/drawing/2014/main" id="{30925E1E-8906-4A41-806C-D3B46D78D06B}"/>
+              </a:ext>
+            </a:extLst>
+          </p:cNvPr>
+          <p:cNvSpPr txBox="1"/>
+          <p:nvPr/>
+        </p:nvSpPr>
+        <p:spPr>
+          <a:xfrm>
+            <a:off x="420413" y="199695"/>
             <a:ext cx="11183007" cy="584775"/>
           </a:xfrm>
           <a:prstGeom prst="rect">
@@ -4548,7 +4912,7 @@
 </p:sld>
 </file>
 
-<file path=ppt/slides/slide11.xml><?xml version="1.0" encoding="utf-8"?>
+<file path=ppt/slides/slide12.xml><?xml version="1.0" encoding="utf-8"?>
 <p:sld xmlns:a="http://schemas.openxmlformats.org/drawingml/2006/main" xmlns:r="http://schemas.openxmlformats.org/officeDocument/2006/relationships" xmlns:p="http://schemas.openxmlformats.org/presentationml/2006/main">
   <p:cSld>
     <p:spTree>
@@ -4876,7 +5240,7 @@
 </p:sld>
 </file>
 
-<file path=ppt/slides/slide12.xml><?xml version="1.0" encoding="utf-8"?>
+<file path=ppt/slides/slide13.xml><?xml version="1.0" encoding="utf-8"?>
 <p:sld xmlns:a="http://schemas.openxmlformats.org/drawingml/2006/main" xmlns:r="http://schemas.openxmlformats.org/officeDocument/2006/relationships" xmlns:p="http://schemas.openxmlformats.org/presentationml/2006/main">
   <p:cSld>
     <p:spTree>
@@ -5249,7 +5613,7 @@
           <a:p>
             <a:r>
               <a:rPr kumimoji="1" lang="en-US" altLang="ko-Kore-KR" dirty="0"/>
-              <a:t>Mathematical approach</a:t>
+              <a:t>Computation number of cases about example</a:t>
             </a:r>
           </a:p>
           <a:p>
@@ -22827,7 +23191,7 @@
                 <a:latin typeface="Times New Roman" panose="02020603050405020304" pitchFamily="18" charset="0"/>
                 <a:cs typeface="Times New Roman" panose="02020603050405020304" pitchFamily="18" charset="0"/>
               </a:rPr>
-              <a:t>17</a:t>
+              <a:t>17 237</a:t>
             </a:r>
             <a:r>
               <a:rPr kumimoji="1" lang="ko-KR" altLang="en-US" sz="2500" dirty="0">
@@ -22931,8 +23295,8 @@
         </p:nvSpPr>
         <p:spPr>
           <a:xfrm>
-            <a:off x="504496" y="3076127"/>
-            <a:ext cx="11183007" cy="1246495"/>
+            <a:off x="6369269" y="918453"/>
+            <a:ext cx="5234150" cy="2015936"/>
           </a:xfrm>
           <a:prstGeom prst="rect">
             <a:avLst/>
@@ -23032,12 +23396,18 @@
               </a:rPr>
               <a:t>개의 단위로</a:t>
             </a:r>
+            <a:endParaRPr kumimoji="1" lang="en-US" altLang="ko-KR" sz="2500" dirty="0">
+              <a:latin typeface="Times New Roman" panose="02020603050405020304" pitchFamily="18" charset="0"/>
+              <a:cs typeface="Times New Roman" panose="02020603050405020304" pitchFamily="18" charset="0"/>
+            </a:endParaRPr>
+          </a:p>
+          <a:p>
             <a:r>
               <a:rPr kumimoji="1" lang="en-US" altLang="ko-KR" sz="2500" dirty="0">
                 <a:latin typeface="Times New Roman" panose="02020603050405020304" pitchFamily="18" charset="0"/>
                 <a:cs typeface="Times New Roman" panose="02020603050405020304" pitchFamily="18" charset="0"/>
               </a:rPr>
-              <a:t> Trim top 30%</a:t>
+              <a:t>     Trim top 30%</a:t>
             </a:r>
             <a:r>
               <a:rPr kumimoji="1" lang="ko-KR" altLang="en-US" sz="2500" dirty="0">
@@ -23091,6 +23461,19 @@
               </a:rPr>
               <a:t>으로</a:t>
             </a:r>
+            <a:endParaRPr kumimoji="1" lang="en-US" altLang="ko-KR" sz="2500" dirty="0">
+              <a:latin typeface="Times New Roman" panose="02020603050405020304" pitchFamily="18" charset="0"/>
+              <a:cs typeface="Times New Roman" panose="02020603050405020304" pitchFamily="18" charset="0"/>
+            </a:endParaRPr>
+          </a:p>
+          <a:p>
+            <a:r>
+              <a:rPr kumimoji="1" lang="en-US" altLang="ko-KR" sz="2500" dirty="0">
+                <a:latin typeface="Times New Roman" panose="02020603050405020304" pitchFamily="18" charset="0"/>
+                <a:cs typeface="Times New Roman" panose="02020603050405020304" pitchFamily="18" charset="0"/>
+              </a:rPr>
+              <a:t>   </a:t>
+            </a:r>
             <a:r>
               <a:rPr kumimoji="1" lang="ko-KR" altLang="en-US" sz="2500" dirty="0">
                 <a:latin typeface="Times New Roman" panose="02020603050405020304" pitchFamily="18" charset="0"/>
@@ -23113,6 +23496,161 @@
               <a:t> </a:t>
             </a:r>
             <a:endParaRPr kumimoji="1" lang="ko-Kore-KR" altLang="en-US" sz="2500" dirty="0">
+              <a:latin typeface="Times New Roman" panose="02020603050405020304" pitchFamily="18" charset="0"/>
+              <a:cs typeface="Times New Roman" panose="02020603050405020304" pitchFamily="18" charset="0"/>
+            </a:endParaRPr>
+          </a:p>
+        </p:txBody>
+      </p:sp>
+      <p:sp>
+        <p:nvSpPr>
+          <p:cNvPr id="8" name="TextBox 7">
+            <a:extLst>
+              <a:ext uri="{FF2B5EF4-FFF2-40B4-BE49-F238E27FC236}">
+                <a16:creationId xmlns:a16="http://schemas.microsoft.com/office/drawing/2014/main" id="{F515A6C8-3B3E-6042-ACC2-B0920780DB80}"/>
+              </a:ext>
+            </a:extLst>
+          </p:cNvPr>
+          <p:cNvSpPr txBox="1"/>
+          <p:nvPr/>
+        </p:nvSpPr>
+        <p:spPr>
+          <a:xfrm>
+            <a:off x="420411" y="3076127"/>
+            <a:ext cx="11183007" cy="3416320"/>
+          </a:xfrm>
+          <a:prstGeom prst="rect">
+            <a:avLst/>
+          </a:prstGeom>
+          <a:noFill/>
+        </p:spPr>
+        <p:txBody>
+          <a:bodyPr wrap="square" rtlCol="0">
+            <a:spAutoFit/>
+          </a:bodyPr>
+          <a:lstStyle/>
+          <a:p>
+            <a:r>
+              <a:rPr kumimoji="1" lang="en-US" altLang="ko-Kore-KR" dirty="0">
+                <a:latin typeface="Times New Roman" panose="02020603050405020304" pitchFamily="18" charset="0"/>
+                <a:cs typeface="Times New Roman" panose="02020603050405020304" pitchFamily="18" charset="0"/>
+              </a:rPr>
+              <a:t>while( cumulated Due date until (Week hours *  M - (Set-up time * M) * 0.7 )</a:t>
+            </a:r>
+          </a:p>
+          <a:p>
+            <a:r>
+              <a:rPr kumimoji="1" lang="en-US" altLang="ko-Kore-KR" dirty="0">
+                <a:latin typeface="Times New Roman" panose="02020603050405020304" pitchFamily="18" charset="0"/>
+                <a:cs typeface="Times New Roman" panose="02020603050405020304" pitchFamily="18" charset="0"/>
+              </a:rPr>
+              <a:t>{</a:t>
+            </a:r>
+          </a:p>
+          <a:p>
+            <a:r>
+              <a:rPr kumimoji="1" lang="en-US" altLang="ko-Kore-KR" dirty="0">
+                <a:latin typeface="Times New Roman" panose="02020603050405020304" pitchFamily="18" charset="0"/>
+                <a:cs typeface="Times New Roman" panose="02020603050405020304" pitchFamily="18" charset="0"/>
+              </a:rPr>
+              <a:t>	for index = 1 to M</a:t>
+            </a:r>
+          </a:p>
+          <a:p>
+            <a:r>
+              <a:rPr kumimoji="1" lang="en-US" altLang="ko-Kore-KR" dirty="0">
+                <a:latin typeface="Times New Roman" panose="02020603050405020304" pitchFamily="18" charset="0"/>
+                <a:cs typeface="Times New Roman" panose="02020603050405020304" pitchFamily="18" charset="0"/>
+              </a:rPr>
+              <a:t>	{</a:t>
+            </a:r>
+          </a:p>
+          <a:p>
+            <a:r>
+              <a:rPr kumimoji="1" lang="en-US" altLang="ko-Kore-KR" dirty="0">
+                <a:latin typeface="Times New Roman" panose="02020603050405020304" pitchFamily="18" charset="0"/>
+                <a:cs typeface="Times New Roman" panose="02020603050405020304" pitchFamily="18" charset="0"/>
+              </a:rPr>
+              <a:t>		Quantity = random integer; range Min Q to Max Q</a:t>
+            </a:r>
+          </a:p>
+          <a:p>
+            <a:r>
+              <a:rPr kumimoji="1" lang="en-US" altLang="ko-Kore-KR" dirty="0">
+                <a:latin typeface="Times New Roman" panose="02020603050405020304" pitchFamily="18" charset="0"/>
+                <a:cs typeface="Times New Roman" panose="02020603050405020304" pitchFamily="18" charset="0"/>
+              </a:rPr>
+              <a:t>		Processing Time = Ceil(Quantity / M)</a:t>
+            </a:r>
+          </a:p>
+          <a:p>
+            <a:r>
+              <a:rPr kumimoji="1" lang="en-US" altLang="ko-Kore-KR" dirty="0">
+                <a:latin typeface="Times New Roman" panose="02020603050405020304" pitchFamily="18" charset="0"/>
+                <a:cs typeface="Times New Roman" panose="02020603050405020304" pitchFamily="18" charset="0"/>
+              </a:rPr>
+              <a:t>		Due Date = random integer; range Processing Time to Max T</a:t>
+            </a:r>
+          </a:p>
+          <a:p>
+            <a:r>
+              <a:rPr kumimoji="1" lang="en-US" altLang="ko-Kore-KR" dirty="0">
+                <a:latin typeface="Times New Roman" panose="02020603050405020304" pitchFamily="18" charset="0"/>
+                <a:cs typeface="Times New Roman" panose="02020603050405020304" pitchFamily="18" charset="0"/>
+              </a:rPr>
+              <a:t>		Due Date = </a:t>
+            </a:r>
+            <a:r>
+              <a:rPr kumimoji="1" lang="en-US" altLang="ko-Kore-KR" dirty="0" err="1">
+                <a:latin typeface="Times New Roman" panose="02020603050405020304" pitchFamily="18" charset="0"/>
+                <a:cs typeface="Times New Roman" panose="02020603050405020304" pitchFamily="18" charset="0"/>
+              </a:rPr>
+              <a:t>DueDate</a:t>
+            </a:r>
+            <a:r>
+              <a:rPr kumimoji="1" lang="en-US" altLang="ko-Kore-KR" dirty="0">
+                <a:latin typeface="Times New Roman" panose="02020603050405020304" pitchFamily="18" charset="0"/>
+                <a:cs typeface="Times New Roman" panose="02020603050405020304" pitchFamily="18" charset="0"/>
+              </a:rPr>
+              <a:t> + Offset</a:t>
+            </a:r>
+          </a:p>
+          <a:p>
+            <a:r>
+              <a:rPr kumimoji="1" lang="en-US" altLang="ko-Kore-KR" dirty="0">
+                <a:latin typeface="Times New Roman" panose="02020603050405020304" pitchFamily="18" charset="0"/>
+                <a:cs typeface="Times New Roman" panose="02020603050405020304" pitchFamily="18" charset="0"/>
+              </a:rPr>
+              <a:t>		Type = random character P</a:t>
+            </a:r>
+          </a:p>
+          <a:p>
+            <a:r>
+              <a:rPr kumimoji="1" lang="en-US" altLang="ko-Kore-KR" dirty="0">
+                <a:latin typeface="Times New Roman" panose="02020603050405020304" pitchFamily="18" charset="0"/>
+                <a:cs typeface="Times New Roman" panose="02020603050405020304" pitchFamily="18" charset="0"/>
+              </a:rPr>
+              <a:t>	}</a:t>
+            </a:r>
+          </a:p>
+          <a:p>
+            <a:r>
+              <a:rPr kumimoji="1" lang="en-US" altLang="ko-Kore-KR" dirty="0">
+                <a:latin typeface="Times New Roman" panose="02020603050405020304" pitchFamily="18" charset="0"/>
+                <a:cs typeface="Times New Roman" panose="02020603050405020304" pitchFamily="18" charset="0"/>
+              </a:rPr>
+              <a:t>	Offset = Offset + Trim Top 30% about max Due Date in M</a:t>
+            </a:r>
+          </a:p>
+          <a:p>
+            <a:r>
+              <a:rPr kumimoji="1" lang="en-US" altLang="ko-Kore-KR" dirty="0">
+                <a:latin typeface="Times New Roman" panose="02020603050405020304" pitchFamily="18" charset="0"/>
+                <a:cs typeface="Times New Roman" panose="02020603050405020304" pitchFamily="18" charset="0"/>
+              </a:rPr>
+              <a:t>} </a:t>
+            </a:r>
+            <a:endParaRPr kumimoji="1" lang="ko-Kore-KR" altLang="en-US" dirty="0">
               <a:latin typeface="Times New Roman" panose="02020603050405020304" pitchFamily="18" charset="0"/>
               <a:cs typeface="Times New Roman" panose="02020603050405020304" pitchFamily="18" charset="0"/>
             </a:endParaRPr>
@@ -23154,7 +23692,7 @@
           <p:cNvPr id="4" name="직선 연결선[R] 3">
             <a:extLst>
               <a:ext uri="{FF2B5EF4-FFF2-40B4-BE49-F238E27FC236}">
-                <a16:creationId xmlns:a16="http://schemas.microsoft.com/office/drawing/2014/main" id="{9B90C037-4D0F-4A4A-9E8B-78135C8A2C63}"/>
+                <a16:creationId xmlns:a16="http://schemas.microsoft.com/office/drawing/2014/main" id="{B501A3A6-018A-D149-AD64-5A08D4053AED}"/>
               </a:ext>
             </a:extLst>
           </p:cNvPr>
@@ -23191,7 +23729,7 @@
           <p:cNvPr id="5" name="TextBox 4">
             <a:extLst>
               <a:ext uri="{FF2B5EF4-FFF2-40B4-BE49-F238E27FC236}">
-                <a16:creationId xmlns:a16="http://schemas.microsoft.com/office/drawing/2014/main" id="{30925E1E-8906-4A41-806C-D3B46D78D06B}"/>
+                <a16:creationId xmlns:a16="http://schemas.microsoft.com/office/drawing/2014/main" id="{56103194-CE24-CF4E-B37D-F9F2AED25BC6}"/>
               </a:ext>
             </a:extLst>
           </p:cNvPr>
@@ -23226,7 +23764,7 @@
                 <a:latin typeface="Times New Roman" panose="02020603050405020304" pitchFamily="18" charset="0"/>
                 <a:cs typeface="Times New Roman" panose="02020603050405020304" pitchFamily="18" charset="0"/>
               </a:rPr>
-              <a:t>Mathematical approach</a:t>
+              <a:t>Demand Statement example</a:t>
             </a:r>
             <a:endParaRPr kumimoji="1" lang="ko-Kore-KR" altLang="en-US" sz="3000" b="1" dirty="0">
               <a:latin typeface="Times New Roman" panose="02020603050405020304" pitchFamily="18" charset="0"/>
@@ -23235,10 +23773,226 @@
           </a:p>
         </p:txBody>
       </p:sp>
+      <p:pic>
+        <p:nvPicPr>
+          <p:cNvPr id="7" name="그림 6" descr="테이블이(가) 표시된 사진&#10;&#10;자동 생성된 설명">
+            <a:extLst>
+              <a:ext uri="{FF2B5EF4-FFF2-40B4-BE49-F238E27FC236}">
+                <a16:creationId xmlns:a16="http://schemas.microsoft.com/office/drawing/2014/main" id="{C39EBB03-7469-4F45-85CB-1295BCCC54A2}"/>
+              </a:ext>
+            </a:extLst>
+          </p:cNvPr>
+          <p:cNvPicPr>
+            <a:picLocks noChangeAspect="1"/>
+          </p:cNvPicPr>
+          <p:nvPr/>
+        </p:nvPicPr>
+        <p:blipFill>
+          <a:blip r:embed="rId2"/>
+          <a:stretch>
+            <a:fillRect/>
+          </a:stretch>
+        </p:blipFill>
+        <p:spPr>
+          <a:xfrm>
+            <a:off x="420413" y="1019503"/>
+            <a:ext cx="3130561" cy="5528438"/>
+          </a:xfrm>
+          <a:prstGeom prst="rect">
+            <a:avLst/>
+          </a:prstGeom>
+        </p:spPr>
+      </p:pic>
+      <p:pic>
+        <p:nvPicPr>
+          <p:cNvPr id="11" name="그림 10" descr="테이블이(가) 표시된 사진&#10;&#10;자동 생성된 설명">
+            <a:extLst>
+              <a:ext uri="{FF2B5EF4-FFF2-40B4-BE49-F238E27FC236}">
+                <a16:creationId xmlns:a16="http://schemas.microsoft.com/office/drawing/2014/main" id="{B56C2695-3FDC-E347-9F70-055D3BB42C3B}"/>
+              </a:ext>
+            </a:extLst>
+          </p:cNvPr>
+          <p:cNvPicPr>
+            <a:picLocks noChangeAspect="1"/>
+          </p:cNvPicPr>
+          <p:nvPr/>
+        </p:nvPicPr>
+        <p:blipFill>
+          <a:blip r:embed="rId3"/>
+          <a:stretch>
+            <a:fillRect/>
+          </a:stretch>
+        </p:blipFill>
+        <p:spPr>
+          <a:xfrm>
+            <a:off x="3626725" y="2191841"/>
+            <a:ext cx="4076700" cy="4356100"/>
+          </a:xfrm>
+          <a:prstGeom prst="rect">
+            <a:avLst/>
+          </a:prstGeom>
+        </p:spPr>
+      </p:pic>
+      <p:sp>
+        <p:nvSpPr>
+          <p:cNvPr id="12" name="직사각형 11">
+            <a:extLst>
+              <a:ext uri="{FF2B5EF4-FFF2-40B4-BE49-F238E27FC236}">
+                <a16:creationId xmlns:a16="http://schemas.microsoft.com/office/drawing/2014/main" id="{BCE65F01-D6B2-0B46-9C67-37A1EBF685AC}"/>
+              </a:ext>
+            </a:extLst>
+          </p:cNvPr>
+          <p:cNvSpPr/>
+          <p:nvPr/>
+        </p:nvSpPr>
+        <p:spPr>
+          <a:xfrm>
+            <a:off x="2764221" y="1303279"/>
+            <a:ext cx="786753" cy="2911370"/>
+          </a:xfrm>
+          <a:prstGeom prst="rect">
+            <a:avLst/>
+          </a:prstGeom>
+          <a:noFill/>
+          <a:ln w="38100">
+            <a:solidFill>
+              <a:srgbClr val="FF0000"/>
+            </a:solidFill>
+          </a:ln>
+        </p:spPr>
+        <p:style>
+          <a:lnRef idx="2">
+            <a:schemeClr val="accent1">
+              <a:shade val="50000"/>
+            </a:schemeClr>
+          </a:lnRef>
+          <a:fillRef idx="1">
+            <a:schemeClr val="accent1"/>
+          </a:fillRef>
+          <a:effectRef idx="0">
+            <a:schemeClr val="accent1"/>
+          </a:effectRef>
+          <a:fontRef idx="minor">
+            <a:schemeClr val="lt1"/>
+          </a:fontRef>
+        </p:style>
+        <p:txBody>
+          <a:bodyPr rtlCol="0" anchor="ctr"/>
+          <a:lstStyle/>
+          <a:p>
+            <a:pPr algn="ctr"/>
+            <a:endParaRPr kumimoji="1" lang="ko-Kore-KR" altLang="en-US"/>
+          </a:p>
+        </p:txBody>
+      </p:sp>
+      <p:sp>
+        <p:nvSpPr>
+          <p:cNvPr id="13" name="직사각형 12">
+            <a:extLst>
+              <a:ext uri="{FF2B5EF4-FFF2-40B4-BE49-F238E27FC236}">
+                <a16:creationId xmlns:a16="http://schemas.microsoft.com/office/drawing/2014/main" id="{29630AE2-2156-044A-9857-CF3BDC5B63C1}"/>
+              </a:ext>
+            </a:extLst>
+          </p:cNvPr>
+          <p:cNvSpPr/>
+          <p:nvPr/>
+        </p:nvSpPr>
+        <p:spPr>
+          <a:xfrm>
+            <a:off x="2764220" y="4214650"/>
+            <a:ext cx="786753" cy="2333292"/>
+          </a:xfrm>
+          <a:prstGeom prst="rect">
+            <a:avLst/>
+          </a:prstGeom>
+          <a:noFill/>
+          <a:ln w="38100">
+            <a:solidFill>
+              <a:srgbClr val="FF0000"/>
+            </a:solidFill>
+          </a:ln>
+        </p:spPr>
+        <p:style>
+          <a:lnRef idx="2">
+            <a:schemeClr val="accent1">
+              <a:shade val="50000"/>
+            </a:schemeClr>
+          </a:lnRef>
+          <a:fillRef idx="1">
+            <a:schemeClr val="accent1"/>
+          </a:fillRef>
+          <a:effectRef idx="0">
+            <a:schemeClr val="accent1"/>
+          </a:effectRef>
+          <a:fontRef idx="minor">
+            <a:schemeClr val="lt1"/>
+          </a:fontRef>
+        </p:style>
+        <p:txBody>
+          <a:bodyPr rtlCol="0" anchor="ctr"/>
+          <a:lstStyle/>
+          <a:p>
+            <a:pPr algn="ctr"/>
+            <a:endParaRPr kumimoji="1" lang="ko-Kore-KR" altLang="en-US"/>
+          </a:p>
+        </p:txBody>
+      </p:sp>
+      <p:sp>
+        <p:nvSpPr>
+          <p:cNvPr id="14" name="직사각형 13">
+            <a:extLst>
+              <a:ext uri="{FF2B5EF4-FFF2-40B4-BE49-F238E27FC236}">
+                <a16:creationId xmlns:a16="http://schemas.microsoft.com/office/drawing/2014/main" id="{0C72FFF1-F519-0940-9C77-838A27129D70}"/>
+              </a:ext>
+            </a:extLst>
+          </p:cNvPr>
+          <p:cNvSpPr/>
+          <p:nvPr/>
+        </p:nvSpPr>
+        <p:spPr>
+          <a:xfrm>
+            <a:off x="6916672" y="2191840"/>
+            <a:ext cx="786753" cy="4356099"/>
+          </a:xfrm>
+          <a:prstGeom prst="rect">
+            <a:avLst/>
+          </a:prstGeom>
+          <a:noFill/>
+          <a:ln w="38100">
+            <a:solidFill>
+              <a:srgbClr val="FF0000"/>
+            </a:solidFill>
+          </a:ln>
+        </p:spPr>
+        <p:style>
+          <a:lnRef idx="2">
+            <a:schemeClr val="accent1">
+              <a:shade val="50000"/>
+            </a:schemeClr>
+          </a:lnRef>
+          <a:fillRef idx="1">
+            <a:schemeClr val="accent1"/>
+          </a:fillRef>
+          <a:effectRef idx="0">
+            <a:schemeClr val="accent1"/>
+          </a:effectRef>
+          <a:fontRef idx="minor">
+            <a:schemeClr val="lt1"/>
+          </a:fontRef>
+        </p:style>
+        <p:txBody>
+          <a:bodyPr rtlCol="0" anchor="ctr"/>
+          <a:lstStyle/>
+          <a:p>
+            <a:pPr algn="ctr"/>
+            <a:endParaRPr kumimoji="1" lang="ko-Kore-KR" altLang="en-US"/>
+          </a:p>
+        </p:txBody>
+      </p:sp>
     </p:spTree>
     <p:extLst>
       <p:ext uri="{BB962C8B-B14F-4D97-AF65-F5344CB8AC3E}">
-        <p14:creationId xmlns:p14="http://schemas.microsoft.com/office/powerpoint/2010/main" val="2653264041"/>
+        <p14:creationId xmlns:p14="http://schemas.microsoft.com/office/powerpoint/2010/main" val="4174382421"/>
       </p:ext>
     </p:extLst>
   </p:cSld>
